--- a/PastaDocumentosProjeto/Presentation1.pptx
+++ b/PastaDocumentosProjeto/Presentation1.pptx
@@ -140,6 +140,33 @@
     </p:extLst>
   </p:cm>
 </p:cmLst>
+</file>
+
+<file path=ppt/ink/ink1.xml><?xml version="1.0" encoding="utf-8"?>
+<inkml:ink xmlns:inkml="http://www.w3.org/2003/InkML">
+  <inkml:definitions>
+    <inkml:context xml:id="ctx0">
+      <inkml:inkSource xml:id="inkSrc0">
+        <inkml:traceFormat>
+          <inkml:channel name="X" type="integer" min="-2.14748E9" max="2.14748E9" units="cm"/>
+          <inkml:channel name="Y" type="integer" min="-2.14748E9" max="2.14748E9" units="cm"/>
+        </inkml:traceFormat>
+        <inkml:channelProperties>
+          <inkml:channelProperty channel="X" name="resolution" value="1000" units="1/cm"/>
+          <inkml:channelProperty channel="Y" name="resolution" value="1000" units="1/cm"/>
+        </inkml:channelProperties>
+      </inkml:inkSource>
+      <inkml:timestamp xml:id="ts0" timeString="2024-03-25T13:58:02.337"/>
+    </inkml:context>
+    <inkml:brush xml:id="br0">
+      <inkml:brushProperty name="width" value="0.05" units="cm"/>
+      <inkml:brushProperty name="height" value="0.05" units="cm"/>
+      <inkml:brushProperty name="color" value="#E71224"/>
+      <inkml:brushProperty name="ignorePressure" value="1"/>
+    </inkml:brush>
+  </inkml:definitions>
+  <inkml:trace contextRef="#ctx0" brushRef="#br0">599 2933,'-43'-1,"17"0,-1 1,-44 7,61-6,1 2,-1-1,1 1,0 1,0-1,1 2,-1-1,1 1,0 0,0 1,-9 8,2 1,1 1,1 0,0 0,2 2,0-1,-15 32,-42 130,30-53,6 1,5 1,6 2,6 0,5 1,6 0,6 0,28 202,-17-257,3 0,3-1,3-2,50 110,-55-147,3-1,0-1,3-1,33 39,-38-52,1-1,1 0,0-2,2 0,0-2,1 0,26 12,-30-18,0-2,1 0,-1-1,2-1,-1-1,1 0,-1-2,1 0,0-2,0 0,0-1,31-6,12-8,0-2,109-45,157-88,63-72,-203 96,-4-7,-7-9,-6-8,254-284,-321 310,-6-5,-5-5,-6-3,-7-4,-5-3,-7-4,70-215,-99 221,-5-2,-7-1,-7-1,-5-1,-8 0,-5-1,-7 0,-7 1,-55-284,30 285,-6 2,-94-220,45 189,74 150,0 0,-2 2,-1 0,-24-23,35 38,-1 0,-1 1,1 0,-1 0,0 1,0 1,-1-1,0 2,0 0,0 0,0 1,0 0,-1 1,0 0,1 1,-1 0,0 1,0 0,-19 3,-2 4,2 2,-1 0,1 3,1 0,0 2,-29 17,-66 42,-158 120,-104 128,250-193,5 6,6 6,7 5,-163 258,206-274,5 4,6 3,7 2,5 2,6 3,-36 193,67-243,4 1,3 0,5 0,15 179,-2-205,3-1,3 0,2-1,4-1,2-1,3 0,51 87,-26-70,4-2,4-2,2-3,4-3,3-3,3-3,2-3,95 61,-31-35,3-7,3-6,4-6,180 57,-115-59,223 39,366 15,151-64,-492-66,691-104,-727 41,736-227,-342-22,-640 236,240-157,-334 185,-3-4,137-133,-190 166,-2-2,0-1,-2 0,-2-2,0-1,-3 0,-1-2,-1 0,23-76,-33 80,-1 0,-2-1,-1 0,-2 1,-1-1,-1 0,-2 1,-2-1,0 1,-2 0,-2 0,-13-31,-2 3,-4 1,-2 2,-2 1,-3 1,-2 2,-2 2,-3 1,-2 2,-61-52,19 29,-2 3,-4 4,-2 5,-167-79,131 81,-189-55,-224-12,-117 54,438 64,-338 35,299 6,-385 103,-357 200,-30 125,90 44,168 0,604-379,-234 226,323-269,3 4,4 3,-70 113,102-135,4 1,3 2,3 2,3 0,3 2,4 1,-13 83,26-89,2 1,4 0,2 0,4 0,3-1,4 1,31 127,-19-123,4-1,4-1,2-1,4-2,3-2,3-1,3-2,3-2,2-2,4-2,1-3,4-2,2-3,124 86,-99-87,2-5,2-3,2-4,2-5,1-3,107 21,-158-43,0-3,0-1,0-3,0-1,1-2,60-8,-64 0,0-1,-1-3,0 0,0-3,-2-1,0-2,44-29,19-20,-4-5,-3-4,84-89,360-433,-270 245,-16-10,-15-12,-18-9,282-686,-416 846,91-382,-147 468,-7-2,-5 0,-3-172,-16 215,-4 1,-4-1,-5 2,-35-124,28 148,-3 1,-2 1,-4 1,-61-96,59 113,-2 3,-2 0,-2 3,-2 1,-89-70,74 73,-1 3,-2 2,-2 3,-1 3,-1 2,-1 4,-2 2,0 3,-1 3,0 3,-2 3,1 3,-1 3,1 3,-1 4,0 2,1 3,0 3,1 4,0 2,-105 42,101-25,0 2,3 4,1 3,3 3,1 2,2 3,3 3,3 3,1 2,4 2,-68 103,80-101,2 3,4 0,2 2,3 2,-23 92,36-102,3 1,3 0,2 0,3 1,3 0,11 107,-1-115,3 0,1 0,3-1,2-1,3-1,2-1,2-1,2-1,2-1,2-1,64 71,-34-52,2-4,3-2,3-3,2-3,2-4,128 66,-129-80,1-3,1-3,2-4,0-2,2-4,111 12,-130-26,-1-2,0-3,0-2,1-3,-2-3,1-2,-1-2,-1-3,87-36,-76 20,-2-3,-1-4,-2-1,-2-4,-2-2,-2-3,-1-2,-4-2,56-72,-35 29,-4-3,-4-4,-5-2,88-216,-107 215,-5-1,-4-2,-5-2,-5 0,-5-1,3-202,-21 238,-4 1,-2 0,-4 0,-33-111,26 129,-2 1,-2 1,-2 1,-3 2,-2 0,-49-62,53 81,0 2,-2 0,-2 2,0 1,-2 2,0 1,-2 2,-1 0,0 3,-64-25,63 31,-1 2,0 2,0 1,-1 2,0 2,0 1,-1 2,1 2,0 1,0 2,-48 12,37-3,0 3,0 1,2 3,0 2,1 1,2 3,0 2,2 1,1 3,-52 51,20-8,3 3,4 3,3 3,-60 107,50-64,-82 196,116-224,4 1,-40 196,64-228,2 0,4 0,2 1,4 0,12 91,-5-110,2 0,3-1,1 0,3-1,1-1,3 0,53 85,-51-96,3-2,1 0,1-2,2-1,1-2,2 0,0-2,53 31,-38-31,2-2,0-2,1-2,1-3,1-2,61 10,-27-11,2-4,125-1,167-31,40-32</inkml:trace>
+</inkml:ink>
 </file>
 
 <file path=ppt/slideLayouts/slideLayout1.xml><?xml version="1.0" encoding="utf-8"?>
@@ -3402,7 +3429,7 @@
           <a:bodyPr/>
           <a:lstStyle/>
           <a:p>
-            <a:endParaRPr lang="en-US"/>
+            <a:endParaRPr lang="en-US" dirty="0"/>
           </a:p>
         </p:txBody>
       </p:sp>
@@ -3452,6 +3479,57 @@
           </a:p>
         </p:txBody>
       </p:sp>
+      <mc:AlternateContent xmlns:mc="http://schemas.openxmlformats.org/markup-compatibility/2006">
+        <mc:Choice xmlns:p14="http://schemas.microsoft.com/office/powerpoint/2010/main" Requires="p14">
+          <p:contentPart p14:bwMode="auto" r:id="rId2">
+            <p14:nvContentPartPr>
+              <p14:cNvPr id="5" name="Ink 4">
+                <a:extLst>
+                  <a:ext uri="{FF2B5EF4-FFF2-40B4-BE49-F238E27FC236}">
+                    <a16:creationId xmlns:a16="http://schemas.microsoft.com/office/drawing/2014/main" id="{1E597E0D-CE98-4ABA-A3F2-A7AB89B0DAE9}"/>
+                  </a:ext>
+                </a:extLst>
+              </p14:cNvPr>
+              <p14:cNvContentPartPr/>
+              <p14:nvPr/>
+            </p14:nvContentPartPr>
+            <p14:xfrm>
+              <a:off x="5107526" y="2422029"/>
+              <a:ext cx="3697200" cy="2749320"/>
+            </p14:xfrm>
+          </p:contentPart>
+        </mc:Choice>
+        <mc:Fallback>
+          <p:pic>
+            <p:nvPicPr>
+              <p:cNvPr id="5" name="Ink 4">
+                <a:extLst>
+                  <a:ext uri="{FF2B5EF4-FFF2-40B4-BE49-F238E27FC236}">
+                    <a16:creationId xmlns:a16="http://schemas.microsoft.com/office/drawing/2014/main" id="{1E597E0D-CE98-4ABA-A3F2-A7AB89B0DAE9}"/>
+                  </a:ext>
+                </a:extLst>
+              </p:cNvPr>
+              <p:cNvPicPr/>
+              <p:nvPr/>
+            </p:nvPicPr>
+            <p:blipFill>
+              <a:blip r:embed="rId3"/>
+              <a:stretch>
+                <a:fillRect/>
+              </a:stretch>
+            </p:blipFill>
+            <p:spPr>
+              <a:xfrm>
+                <a:off x="5098526" y="2413389"/>
+                <a:ext cx="3714840" cy="2766960"/>
+              </a:xfrm>
+              <a:prstGeom prst="rect">
+                <a:avLst/>
+              </a:prstGeom>
+            </p:spPr>
+          </p:pic>
+        </mc:Fallback>
+      </mc:AlternateContent>
     </p:spTree>
     <p:extLst>
       <p:ext uri="{BB962C8B-B14F-4D97-AF65-F5344CB8AC3E}">
